--- a/PPT/Introduction To Python Day 3.pptx
+++ b/PPT/Introduction To Python Day 3.pptx
@@ -295,7 +295,7 @@
             <a:fld id="{6E5FB1B1-8ECF-4161-91D4-0AB97A4DAD52}" type="datetimeFigureOut">
               <a:rPr lang="en-GB" smtClean="0"/>
               <a:pPr/>
-              <a:t>12/11/2018</a:t>
+              <a:t>13/11/2018</a:t>
             </a:fld>
             <a:endParaRPr lang="en-GB"/>
           </a:p>
@@ -463,7 +463,7 @@
             <a:fld id="{6D778BAB-19BB-4B08-9F41-8B8D270E8CBF}" type="datetimeFigureOut">
               <a:rPr lang="en-GB" smtClean="0"/>
               <a:pPr/>
-              <a:t>12/11/2018</a:t>
+              <a:t>13/11/2018</a:t>
             </a:fld>
             <a:endParaRPr lang="en-GB"/>
           </a:p>
@@ -1129,14 +1129,14 @@
           <a:effectLst/>
           <a:extLst>
             <a:ext uri="{909E8E84-426E-40dd-AFC4-6F175D3DCCD1}">
-              <a14:hiddenFill xmlns:a14="http://schemas.microsoft.com/office/drawing/2010/main" xmlns="">
+              <a14:hiddenFill xmlns="" xmlns:a14="http://schemas.microsoft.com/office/drawing/2010/main">
                 <a:solidFill>
                   <a:schemeClr val="accent1"/>
                 </a:solidFill>
               </a14:hiddenFill>
             </a:ext>
             <a:ext uri="{91240B29-F687-4f45-9708-019B960494DF}">
-              <a14:hiddenLine xmlns:a14="http://schemas.microsoft.com/office/drawing/2010/main" xmlns="" w="9525">
+              <a14:hiddenLine xmlns="" xmlns:a14="http://schemas.microsoft.com/office/drawing/2010/main" w="9525">
                 <a:solidFill>
                   <a:schemeClr val="tx1"/>
                 </a:solidFill>
@@ -1146,7 +1146,7 @@
               </a14:hiddenLine>
             </a:ext>
             <a:ext uri="{AF507438-7753-43e0-B8FC-AC1667EBCBE1}">
-              <a14:hiddenEffects xmlns:a14="http://schemas.microsoft.com/office/drawing/2010/main" xmlns="">
+              <a14:hiddenEffects xmlns="" xmlns:a14="http://schemas.microsoft.com/office/drawing/2010/main">
                 <a:effectLst>
                   <a:outerShdw dist="35921" dir="2700000" algn="ctr" rotWithShape="0">
                     <a:schemeClr val="bg2"/>
@@ -1561,14 +1561,14 @@
           <a:effectLst/>
           <a:extLst>
             <a:ext uri="{909E8E84-426E-40dd-AFC4-6F175D3DCCD1}">
-              <a14:hiddenFill xmlns:a14="http://schemas.microsoft.com/office/drawing/2010/main" xmlns="">
+              <a14:hiddenFill xmlns="" xmlns:a14="http://schemas.microsoft.com/office/drawing/2010/main">
                 <a:solidFill>
                   <a:schemeClr val="accent1"/>
                 </a:solidFill>
               </a14:hiddenFill>
             </a:ext>
             <a:ext uri="{91240B29-F687-4f45-9708-019B960494DF}">
-              <a14:hiddenLine xmlns:a14="http://schemas.microsoft.com/office/drawing/2010/main" xmlns="" w="9525">
+              <a14:hiddenLine xmlns="" xmlns:a14="http://schemas.microsoft.com/office/drawing/2010/main" w="9525">
                 <a:solidFill>
                   <a:schemeClr val="tx1"/>
                 </a:solidFill>
@@ -1578,7 +1578,7 @@
               </a14:hiddenLine>
             </a:ext>
             <a:ext uri="{AF507438-7753-43e0-B8FC-AC1667EBCBE1}">
-              <a14:hiddenEffects xmlns:a14="http://schemas.microsoft.com/office/drawing/2010/main" xmlns="">
+              <a14:hiddenEffects xmlns="" xmlns:a14="http://schemas.microsoft.com/office/drawing/2010/main">
                 <a:effectLst>
                   <a:outerShdw dist="35921" dir="2700000" algn="ctr" rotWithShape="0">
                     <a:schemeClr val="bg2"/>
@@ -1957,7 +1957,7 @@
             <a:fld id="{7C4F617C-02C9-A546-8BA1-44871C7A2EF5}" type="datetime3">
               <a:rPr lang="fr-FR" smtClean="0"/>
               <a:pPr/>
-              <a:t>12.11.18</a:t>
+              <a:t>13.11.18</a:t>
             </a:fld>
             <a:endParaRPr lang="en-GB" dirty="0"/>
           </a:p>
@@ -2235,7 +2235,7 @@
             <a:fld id="{7C4F617C-02C9-A546-8BA1-44871C7A2EF5}" type="datetime3">
               <a:rPr lang="fr-FR" smtClean="0"/>
               <a:pPr/>
-              <a:t>12.11.18</a:t>
+              <a:t>13.11.18</a:t>
             </a:fld>
             <a:endParaRPr lang="en-GB" dirty="0"/>
           </a:p>
@@ -2612,7 +2612,7 @@
             <a:fld id="{7C4F617C-02C9-A546-8BA1-44871C7A2EF5}" type="datetime3">
               <a:rPr lang="fr-FR" smtClean="0"/>
               <a:pPr/>
-              <a:t>12.11.18</a:t>
+              <a:t>13.11.18</a:t>
             </a:fld>
             <a:endParaRPr lang="en-GB" dirty="0"/>
           </a:p>
@@ -2812,7 +2812,7 @@
             <a:fld id="{7C4F617C-02C9-A546-8BA1-44871C7A2EF5}" type="datetime3">
               <a:rPr lang="fr-FR" smtClean="0"/>
               <a:pPr/>
-              <a:t>12.11.18</a:t>
+              <a:t>13.11.18</a:t>
             </a:fld>
             <a:endParaRPr lang="en-GB" dirty="0"/>
           </a:p>
@@ -3128,7 +3128,7 @@
             <a:fld id="{7C4F617C-02C9-A546-8BA1-44871C7A2EF5}" type="datetime3">
               <a:rPr lang="fr-FR" smtClean="0"/>
               <a:pPr/>
-              <a:t>12.11.18</a:t>
+              <a:t>13.11.18</a:t>
             </a:fld>
             <a:endParaRPr lang="en-GB" dirty="0"/>
           </a:p>
@@ -3785,7 +3785,7 @@
             <a:fld id="{7C4F617C-02C9-A546-8BA1-44871C7A2EF5}" type="datetime3">
               <a:rPr lang="fr-FR" smtClean="0"/>
               <a:pPr/>
-              <a:t>12.11.18</a:t>
+              <a:t>13.11.18</a:t>
             </a:fld>
             <a:endParaRPr lang="en-GB" dirty="0"/>
           </a:p>
@@ -3998,7 +3998,7 @@
             <a:fld id="{7C4F617C-02C9-A546-8BA1-44871C7A2EF5}" type="datetime3">
               <a:rPr lang="fr-FR" smtClean="0"/>
               <a:pPr/>
-              <a:t>12.11.18</a:t>
+              <a:t>13.11.18</a:t>
             </a:fld>
             <a:endParaRPr lang="en-GB" dirty="0"/>
           </a:p>
@@ -4629,7 +4629,7 @@
             <a:fld id="{7C4F617C-02C9-A546-8BA1-44871C7A2EF5}" type="datetime3">
               <a:rPr lang="fr-FR" smtClean="0"/>
               <a:pPr/>
-              <a:t>12.11.18</a:t>
+              <a:t>13.11.18</a:t>
             </a:fld>
             <a:endParaRPr lang="en-GB" dirty="0"/>
           </a:p>
@@ -4855,7 +4855,7 @@
             <a:fld id="{7C4F617C-02C9-A546-8BA1-44871C7A2EF5}" type="datetime3">
               <a:rPr lang="fr-FR" smtClean="0"/>
               <a:pPr/>
-              <a:t>12.11.18</a:t>
+              <a:t>13.11.18</a:t>
             </a:fld>
             <a:endParaRPr lang="en-GB" dirty="0"/>
           </a:p>
@@ -5081,7 +5081,7 @@
             <a:fld id="{7C4F617C-02C9-A546-8BA1-44871C7A2EF5}" type="datetime3">
               <a:rPr lang="fr-FR" smtClean="0"/>
               <a:pPr/>
-              <a:t>12.11.18</a:t>
+              <a:t>13.11.18</a:t>
             </a:fld>
             <a:endParaRPr lang="en-GB" dirty="0"/>
           </a:p>
@@ -5293,7 +5293,23 @@
                   <a:srgbClr val="000000"/>
                 </a:solidFill>
               </a:rPr>
-              <a:t> is defined, the ancestor's </a:t>
+              <a:t> is </a:t>
+            </a:r>
+            <a:r>
+              <a:rPr lang="en-IN" altLang="fr-FR" dirty="0" smtClean="0">
+                <a:solidFill>
+                  <a:srgbClr val="000000"/>
+                </a:solidFill>
+              </a:rPr>
+              <a:t>defined in derived class, </a:t>
+            </a:r>
+            <a:r>
+              <a:rPr lang="en-IN" altLang="fr-FR" dirty="0">
+                <a:solidFill>
+                  <a:srgbClr val="000000"/>
+                </a:solidFill>
+              </a:rPr>
+              <a:t>the ancestor's </a:t>
             </a:r>
             <a:r>
               <a:rPr lang="en-IN" altLang="fr-FR" sz="1800" dirty="0">
@@ -5713,7 +5729,7 @@
             <a:fld id="{7C4F617C-02C9-A546-8BA1-44871C7A2EF5}" type="datetime3">
               <a:rPr lang="fr-FR" smtClean="0"/>
               <a:pPr/>
-              <a:t>12.11.18</a:t>
+              <a:t>13.11.18</a:t>
             </a:fld>
             <a:endParaRPr lang="en-GB" dirty="0"/>
           </a:p>
@@ -6446,7 +6462,7 @@
             <a:fld id="{7C4F617C-02C9-A546-8BA1-44871C7A2EF5}" type="datetime3">
               <a:rPr lang="fr-FR" smtClean="0"/>
               <a:pPr/>
-              <a:t>12.11.18</a:t>
+              <a:t>13.11.18</a:t>
             </a:fld>
             <a:endParaRPr lang="en-GB" dirty="0"/>
           </a:p>
@@ -6857,7 +6873,7 @@
             <a:fld id="{7C4F617C-02C9-A546-8BA1-44871C7A2EF5}" type="datetime3">
               <a:rPr lang="fr-FR" smtClean="0"/>
               <a:pPr/>
-              <a:t>12.11.18</a:t>
+              <a:t>13.11.18</a:t>
             </a:fld>
             <a:endParaRPr lang="en-GB" dirty="0"/>
           </a:p>
@@ -7286,7 +7302,7 @@
             <a:fld id="{7C4F617C-02C9-A546-8BA1-44871C7A2EF5}" type="datetime3">
               <a:rPr lang="fr-FR" smtClean="0"/>
               <a:pPr/>
-              <a:t>12.11.18</a:t>
+              <a:t>13.11.18</a:t>
             </a:fld>
             <a:endParaRPr lang="en-GB" dirty="0"/>
           </a:p>
@@ -8023,7 +8039,7 @@
             <a:fld id="{7C4F617C-02C9-A546-8BA1-44871C7A2EF5}" type="datetime3">
               <a:rPr lang="fr-FR" smtClean="0"/>
               <a:pPr/>
-              <a:t>12.11.18</a:t>
+              <a:t>13.11.18</a:t>
             </a:fld>
             <a:endParaRPr lang="en-GB" dirty="0"/>
           </a:p>
@@ -8195,7 +8211,7 @@
             </a:r>
             <a:r>
               <a:rPr lang="fr-FR" dirty="0" err="1" smtClean="0"/>
-              <a:t>requests</a:t>
+              <a:t>argparser</a:t>
             </a:r>
             <a:endParaRPr lang="fr-FR" dirty="0" smtClean="0"/>
           </a:p>
@@ -8308,7 +8324,7 @@
             <a:fld id="{7C4F617C-02C9-A546-8BA1-44871C7A2EF5}" type="datetime3">
               <a:rPr lang="fr-FR" smtClean="0"/>
               <a:pPr/>
-              <a:t>12.11.18</a:t>
+              <a:t>13.11.18</a:t>
             </a:fld>
             <a:endParaRPr lang="en-GB" dirty="0"/>
           </a:p>
@@ -8918,7 +8934,7 @@
             <a:fld id="{7C4F617C-02C9-A546-8BA1-44871C7A2EF5}" type="datetime3">
               <a:rPr lang="fr-FR" smtClean="0"/>
               <a:pPr/>
-              <a:t>12.11.18</a:t>
+              <a:t>13.11.18</a:t>
             </a:fld>
             <a:endParaRPr lang="en-GB" dirty="0"/>
           </a:p>
@@ -9150,7 +9166,7 @@
             <a:fld id="{7C4F617C-02C9-A546-8BA1-44871C7A2EF5}" type="datetime3">
               <a:rPr lang="fr-FR" smtClean="0"/>
               <a:pPr/>
-              <a:t>12.11.18</a:t>
+              <a:t>13.11.18</a:t>
             </a:fld>
             <a:endParaRPr lang="en-GB" dirty="0"/>
           </a:p>
@@ -9680,7 +9696,7 @@
             <a:fld id="{7C4F617C-02C9-A546-8BA1-44871C7A2EF5}" type="datetime3">
               <a:rPr lang="fr-FR" smtClean="0"/>
               <a:pPr/>
-              <a:t>12.11.18</a:t>
+              <a:t>13.11.18</a:t>
             </a:fld>
             <a:endParaRPr lang="en-GB" dirty="0"/>
           </a:p>
@@ -9942,7 +9958,7 @@
             <a:fld id="{7C4F617C-02C9-A546-8BA1-44871C7A2EF5}" type="datetime3">
               <a:rPr lang="fr-FR" smtClean="0"/>
               <a:pPr/>
-              <a:t>12.11.18</a:t>
+              <a:t>13.11.18</a:t>
             </a:fld>
             <a:endParaRPr lang="en-GB" dirty="0"/>
           </a:p>
@@ -10649,7 +10665,7 @@
             <a:fld id="{7C4F617C-02C9-A546-8BA1-44871C7A2EF5}" type="datetime3">
               <a:rPr lang="fr-FR" smtClean="0"/>
               <a:pPr/>
-              <a:t>12.11.18</a:t>
+              <a:t>13.11.18</a:t>
             </a:fld>
             <a:endParaRPr lang="en-GB" dirty="0"/>
           </a:p>
@@ -10799,7 +10815,7 @@
             <a:fld id="{7C4F617C-02C9-A546-8BA1-44871C7A2EF5}" type="datetime3">
               <a:rPr lang="fr-FR" smtClean="0"/>
               <a:pPr/>
-              <a:t>12.11.18</a:t>
+              <a:t>13.11.18</a:t>
             </a:fld>
             <a:endParaRPr lang="en-GB" dirty="0"/>
           </a:p>
@@ -11590,7 +11606,7 @@
             <a:fld id="{7C4F617C-02C9-A546-8BA1-44871C7A2EF5}" type="datetime3">
               <a:rPr lang="fr-FR" smtClean="0"/>
               <a:pPr/>
-              <a:t>12.11.18</a:t>
+              <a:t>13.11.18</a:t>
             </a:fld>
             <a:endParaRPr lang="en-GB" dirty="0"/>
           </a:p>
@@ -11773,7 +11789,7 @@
             <a:fld id="{7C4F617C-02C9-A546-8BA1-44871C7A2EF5}" type="datetime3">
               <a:rPr lang="fr-FR" smtClean="0"/>
               <a:pPr/>
-              <a:t>12.11.18</a:t>
+              <a:t>13.11.18</a:t>
             </a:fld>
             <a:endParaRPr lang="en-GB" dirty="0"/>
           </a:p>
@@ -12128,7 +12144,7 @@
             <a:fld id="{7C4F617C-02C9-A546-8BA1-44871C7A2EF5}" type="datetime3">
               <a:rPr lang="fr-FR" smtClean="0"/>
               <a:pPr/>
-              <a:t>12.11.18</a:t>
+              <a:t>13.11.18</a:t>
             </a:fld>
             <a:endParaRPr lang="en-GB" dirty="0"/>
           </a:p>
@@ -12420,7 +12436,7 @@
             <a:fld id="{7C4F617C-02C9-A546-8BA1-44871C7A2EF5}" type="datetime3">
               <a:rPr lang="fr-FR" smtClean="0"/>
               <a:pPr/>
-              <a:t>12.11.18</a:t>
+              <a:t>13.11.18</a:t>
             </a:fld>
             <a:endParaRPr lang="en-GB" dirty="0"/>
           </a:p>
@@ -12669,7 +12685,7 @@
             <a:fld id="{7C4F617C-02C9-A546-8BA1-44871C7A2EF5}" type="datetime3">
               <a:rPr lang="fr-FR" smtClean="0"/>
               <a:pPr/>
-              <a:t>12.11.18</a:t>
+              <a:t>13.11.18</a:t>
             </a:fld>
             <a:endParaRPr lang="en-GB" dirty="0"/>
           </a:p>
@@ -12922,7 +12938,7 @@
             <a:fld id="{7C4F617C-02C9-A546-8BA1-44871C7A2EF5}" type="datetime3">
               <a:rPr lang="fr-FR" smtClean="0"/>
               <a:pPr/>
-              <a:t>12.11.18</a:t>
+              <a:t>13.11.18</a:t>
             </a:fld>
             <a:endParaRPr lang="en-GB" dirty="0"/>
           </a:p>
@@ -13303,7 +13319,7 @@
             <a:fld id="{7C4F617C-02C9-A546-8BA1-44871C7A2EF5}" type="datetime3">
               <a:rPr lang="fr-FR" smtClean="0"/>
               <a:pPr/>
-              <a:t>12.11.18</a:t>
+              <a:t>13.11.18</a:t>
             </a:fld>
             <a:endParaRPr lang="en-GB" dirty="0"/>
           </a:p>
@@ -13635,7 +13651,7 @@
             <a:fld id="{7C4F617C-02C9-A546-8BA1-44871C7A2EF5}" type="datetime3">
               <a:rPr lang="fr-FR" smtClean="0"/>
               <a:pPr/>
-              <a:t>12.11.18</a:t>
+              <a:t>13.11.18</a:t>
             </a:fld>
             <a:endParaRPr lang="en-GB" dirty="0"/>
           </a:p>
@@ -13865,7 +13881,7 @@
             <a:fld id="{7C4F617C-02C9-A546-8BA1-44871C7A2EF5}" type="datetime3">
               <a:rPr lang="fr-FR" smtClean="0"/>
               <a:pPr/>
-              <a:t>12.11.18</a:t>
+              <a:t>13.11.18</a:t>
             </a:fld>
             <a:endParaRPr lang="en-GB" dirty="0"/>
           </a:p>
@@ -14094,7 +14110,7 @@
             <a:fld id="{7C4F617C-02C9-A546-8BA1-44871C7A2EF5}" type="datetime3">
               <a:rPr lang="fr-FR" smtClean="0"/>
               <a:pPr/>
-              <a:t>12.11.18</a:t>
+              <a:t>13.11.18</a:t>
             </a:fld>
             <a:endParaRPr lang="en-GB" dirty="0"/>
           </a:p>
@@ -14494,7 +14510,7 @@
             <a:fld id="{7C4F617C-02C9-A546-8BA1-44871C7A2EF5}" type="datetime3">
               <a:rPr lang="fr-FR" smtClean="0"/>
               <a:pPr/>
-              <a:t>12.11.18</a:t>
+              <a:t>13.11.18</a:t>
             </a:fld>
             <a:endParaRPr lang="en-GB" dirty="0"/>
           </a:p>
@@ -14987,7 +15003,7 @@
             <a:fld id="{7C4F617C-02C9-A546-8BA1-44871C7A2EF5}" type="datetime3">
               <a:rPr lang="fr-FR" smtClean="0"/>
               <a:pPr/>
-              <a:t>12.11.18</a:t>
+              <a:t>13.11.18</a:t>
             </a:fld>
             <a:endParaRPr lang="en-GB" dirty="0"/>
           </a:p>
@@ -15975,15 +15991,6 @@
 </file>
 
 <file path=customXml/item1.xml><?xml version="1.0" encoding="utf-8"?>
-<?mso-contentType ?>
-<FormTemplates xmlns="http://schemas.microsoft.com/sharepoint/v3/contenttype/forms">
-  <Display>DocumentLibraryForm</Display>
-  <Edit>DocumentLibraryForm</Edit>
-  <New>DocumentLibraryForm</New>
-</FormTemplates>
-</file>
-
-<file path=customXml/item2.xml><?xml version="1.0" encoding="utf-8"?>
 <p:properties xmlns:p="http://schemas.microsoft.com/office/2006/metadata/properties" xmlns:xsi="http://www.w3.org/2001/XMLSchema-instance" xmlns:pc="http://schemas.microsoft.com/office/infopath/2007/PartnerControls">
   <documentManagement>
     <dae6d26d2ff846569d48b36bc2cc0daf xmlns="8282a9b7-e4e4-4f6d-8f4e-c78518658f0e">
@@ -15992,6 +15999,15 @@
     <TaxCatchAll xmlns="8282a9b7-e4e4-4f6d-8f4e-c78518658f0e"/>
   </documentManagement>
 </p:properties>
+</file>
+
+<file path=customXml/item2.xml><?xml version="1.0" encoding="utf-8"?>
+<?mso-contentType ?>
+<FormTemplates xmlns="http://schemas.microsoft.com/sharepoint/v3/contenttype/forms">
+  <Display>DocumentLibraryForm</Display>
+  <Edit>DocumentLibraryForm</Edit>
+  <New>DocumentLibraryForm</New>
+</FormTemplates>
 </file>
 
 <file path=customXml/item3.xml><?xml version="1.0" encoding="utf-8"?>
@@ -16147,14 +16163,6 @@
 </file>
 
 <file path=customXml/itemProps1.xml><?xml version="1.0" encoding="utf-8"?>
-<ds:datastoreItem xmlns:ds="http://schemas.openxmlformats.org/officeDocument/2006/customXml" ds:itemID="{99EF5B5B-534A-477E-B977-D41C6881E22C}">
-  <ds:schemaRefs>
-    <ds:schemaRef ds:uri="http://schemas.microsoft.com/sharepoint/v3/contenttype/forms"/>
-  </ds:schemaRefs>
-</ds:datastoreItem>
-</file>
-
-<file path=customXml/itemProps2.xml><?xml version="1.0" encoding="utf-8"?>
 <ds:datastoreItem xmlns:ds="http://schemas.openxmlformats.org/officeDocument/2006/customXml" ds:itemID="{51D5734F-4E70-444D-832E-D8030AB7585A}">
   <ds:schemaRefs>
     <ds:schemaRef ds:uri="http://purl.org/dc/terms/"/>
@@ -16166,6 +16174,14 @@
     <ds:schemaRef ds:uri="http://schemas.microsoft.com/office/2006/documentManagement/types"/>
     <ds:schemaRef ds:uri="http://schemas.microsoft.com/office/infopath/2007/PartnerControls"/>
     <ds:schemaRef ds:uri="http://schemas.openxmlformats.org/package/2006/metadata/core-properties"/>
+  </ds:schemaRefs>
+</ds:datastoreItem>
+</file>
+
+<file path=customXml/itemProps2.xml><?xml version="1.0" encoding="utf-8"?>
+<ds:datastoreItem xmlns:ds="http://schemas.openxmlformats.org/officeDocument/2006/customXml" ds:itemID="{99EF5B5B-534A-477E-B977-D41C6881E22C}">
+  <ds:schemaRefs>
+    <ds:schemaRef ds:uri="http://schemas.microsoft.com/sharepoint/v3/contenttype/forms"/>
   </ds:schemaRefs>
 </ds:datastoreItem>
 </file>

--- a/PPT/Introduction To Python Day 3.pptx
+++ b/PPT/Introduction To Python Day 3.pptx
@@ -295,7 +295,7 @@
             <a:fld id="{6E5FB1B1-8ECF-4161-91D4-0AB97A4DAD52}" type="datetimeFigureOut">
               <a:rPr lang="en-GB" smtClean="0"/>
               <a:pPr/>
-              <a:t>13/11/2018</a:t>
+              <a:t>14/11/2018</a:t>
             </a:fld>
             <a:endParaRPr lang="en-GB"/>
           </a:p>
@@ -463,7 +463,7 @@
             <a:fld id="{6D778BAB-19BB-4B08-9F41-8B8D270E8CBF}" type="datetimeFigureOut">
               <a:rPr lang="en-GB" smtClean="0"/>
               <a:pPr/>
-              <a:t>13/11/2018</a:t>
+              <a:t>14/11/2018</a:t>
             </a:fld>
             <a:endParaRPr lang="en-GB"/>
           </a:p>
@@ -1957,7 +1957,7 @@
             <a:fld id="{7C4F617C-02C9-A546-8BA1-44871C7A2EF5}" type="datetime3">
               <a:rPr lang="fr-FR" smtClean="0"/>
               <a:pPr/>
-              <a:t>13.11.18</a:t>
+              <a:t>14.11.18</a:t>
             </a:fld>
             <a:endParaRPr lang="en-GB" dirty="0"/>
           </a:p>
@@ -2235,7 +2235,7 @@
             <a:fld id="{7C4F617C-02C9-A546-8BA1-44871C7A2EF5}" type="datetime3">
               <a:rPr lang="fr-FR" smtClean="0"/>
               <a:pPr/>
-              <a:t>13.11.18</a:t>
+              <a:t>14.11.18</a:t>
             </a:fld>
             <a:endParaRPr lang="en-GB" dirty="0"/>
           </a:p>
@@ -2612,7 +2612,7 @@
             <a:fld id="{7C4F617C-02C9-A546-8BA1-44871C7A2EF5}" type="datetime3">
               <a:rPr lang="fr-FR" smtClean="0"/>
               <a:pPr/>
-              <a:t>13.11.18</a:t>
+              <a:t>14.11.18</a:t>
             </a:fld>
             <a:endParaRPr lang="en-GB" dirty="0"/>
           </a:p>
@@ -2812,7 +2812,7 @@
             <a:fld id="{7C4F617C-02C9-A546-8BA1-44871C7A2EF5}" type="datetime3">
               <a:rPr lang="fr-FR" smtClean="0"/>
               <a:pPr/>
-              <a:t>13.11.18</a:t>
+              <a:t>14.11.18</a:t>
             </a:fld>
             <a:endParaRPr lang="en-GB" dirty="0"/>
           </a:p>
@@ -3128,7 +3128,7 @@
             <a:fld id="{7C4F617C-02C9-A546-8BA1-44871C7A2EF5}" type="datetime3">
               <a:rPr lang="fr-FR" smtClean="0"/>
               <a:pPr/>
-              <a:t>13.11.18</a:t>
+              <a:t>14.11.18</a:t>
             </a:fld>
             <a:endParaRPr lang="en-GB" dirty="0"/>
           </a:p>
@@ -3785,7 +3785,7 @@
             <a:fld id="{7C4F617C-02C9-A546-8BA1-44871C7A2EF5}" type="datetime3">
               <a:rPr lang="fr-FR" smtClean="0"/>
               <a:pPr/>
-              <a:t>13.11.18</a:t>
+              <a:t>14.11.18</a:t>
             </a:fld>
             <a:endParaRPr lang="en-GB" dirty="0"/>
           </a:p>
@@ -3998,7 +3998,7 @@
             <a:fld id="{7C4F617C-02C9-A546-8BA1-44871C7A2EF5}" type="datetime3">
               <a:rPr lang="fr-FR" smtClean="0"/>
               <a:pPr/>
-              <a:t>13.11.18</a:t>
+              <a:t>14.11.18</a:t>
             </a:fld>
             <a:endParaRPr lang="en-GB" dirty="0"/>
           </a:p>
@@ -4629,7 +4629,7 @@
             <a:fld id="{7C4F617C-02C9-A546-8BA1-44871C7A2EF5}" type="datetime3">
               <a:rPr lang="fr-FR" smtClean="0"/>
               <a:pPr/>
-              <a:t>13.11.18</a:t>
+              <a:t>14.11.18</a:t>
             </a:fld>
             <a:endParaRPr lang="en-GB" dirty="0"/>
           </a:p>
@@ -4855,7 +4855,7 @@
             <a:fld id="{7C4F617C-02C9-A546-8BA1-44871C7A2EF5}" type="datetime3">
               <a:rPr lang="fr-FR" smtClean="0"/>
               <a:pPr/>
-              <a:t>13.11.18</a:t>
+              <a:t>14.11.18</a:t>
             </a:fld>
             <a:endParaRPr lang="en-GB" dirty="0"/>
           </a:p>
@@ -5081,7 +5081,7 @@
             <a:fld id="{7C4F617C-02C9-A546-8BA1-44871C7A2EF5}" type="datetime3">
               <a:rPr lang="fr-FR" smtClean="0"/>
               <a:pPr/>
-              <a:t>13.11.18</a:t>
+              <a:t>14.11.18</a:t>
             </a:fld>
             <a:endParaRPr lang="en-GB" dirty="0"/>
           </a:p>
@@ -5729,7 +5729,7 @@
             <a:fld id="{7C4F617C-02C9-A546-8BA1-44871C7A2EF5}" type="datetime3">
               <a:rPr lang="fr-FR" smtClean="0"/>
               <a:pPr/>
-              <a:t>13.11.18</a:t>
+              <a:t>14.11.18</a:t>
             </a:fld>
             <a:endParaRPr lang="en-GB" dirty="0"/>
           </a:p>
@@ -6462,7 +6462,7 @@
             <a:fld id="{7C4F617C-02C9-A546-8BA1-44871C7A2EF5}" type="datetime3">
               <a:rPr lang="fr-FR" smtClean="0"/>
               <a:pPr/>
-              <a:t>13.11.18</a:t>
+              <a:t>14.11.18</a:t>
             </a:fld>
             <a:endParaRPr lang="en-GB" dirty="0"/>
           </a:p>
@@ -6873,7 +6873,7 @@
             <a:fld id="{7C4F617C-02C9-A546-8BA1-44871C7A2EF5}" type="datetime3">
               <a:rPr lang="fr-FR" smtClean="0"/>
               <a:pPr/>
-              <a:t>13.11.18</a:t>
+              <a:t>14.11.18</a:t>
             </a:fld>
             <a:endParaRPr lang="en-GB" dirty="0"/>
           </a:p>
@@ -7302,7 +7302,7 @@
             <a:fld id="{7C4F617C-02C9-A546-8BA1-44871C7A2EF5}" type="datetime3">
               <a:rPr lang="fr-FR" smtClean="0"/>
               <a:pPr/>
-              <a:t>13.11.18</a:t>
+              <a:t>14.11.18</a:t>
             </a:fld>
             <a:endParaRPr lang="en-GB" dirty="0"/>
           </a:p>
@@ -8039,7 +8039,7 @@
             <a:fld id="{7C4F617C-02C9-A546-8BA1-44871C7A2EF5}" type="datetime3">
               <a:rPr lang="fr-FR" smtClean="0"/>
               <a:pPr/>
-              <a:t>13.11.18</a:t>
+              <a:t>14.11.18</a:t>
             </a:fld>
             <a:endParaRPr lang="en-GB" dirty="0"/>
           </a:p>
@@ -8188,12 +8188,6 @@
               <a:rPr lang="en-IN" dirty="0" smtClean="0"/>
               <a:t>Abstract classes</a:t>
             </a:r>
-          </a:p>
-          <a:p>
-            <a:r>
-              <a:rPr lang="en-IN" dirty="0" err="1" smtClean="0"/>
-              <a:t>Pylint</a:t>
-            </a:r>
             <a:endParaRPr lang="fr-FR" dirty="0"/>
           </a:p>
           <a:p>
@@ -8324,7 +8318,7 @@
             <a:fld id="{7C4F617C-02C9-A546-8BA1-44871C7A2EF5}" type="datetime3">
               <a:rPr lang="fr-FR" smtClean="0"/>
               <a:pPr/>
-              <a:t>13.11.18</a:t>
+              <a:t>14.11.18</a:t>
             </a:fld>
             <a:endParaRPr lang="en-GB" dirty="0"/>
           </a:p>
@@ -8934,7 +8928,7 @@
             <a:fld id="{7C4F617C-02C9-A546-8BA1-44871C7A2EF5}" type="datetime3">
               <a:rPr lang="fr-FR" smtClean="0"/>
               <a:pPr/>
-              <a:t>13.11.18</a:t>
+              <a:t>14.11.18</a:t>
             </a:fld>
             <a:endParaRPr lang="en-GB" dirty="0"/>
           </a:p>
@@ -9115,24 +9109,9 @@
               </a:rPr>
               <a:t>abstractmethod</a:t>
             </a:r>
-            <a:r>
-              <a:rPr lang="en-IN" dirty="0" smtClean="0">
-                <a:sym typeface="Wingdings" panose="05000000000000000000" pitchFamily="2" charset="2"/>
-              </a:rPr>
-              <a:t> or at least one property that is @</a:t>
-            </a:r>
-            <a:r>
-              <a:rPr lang="en-IN" dirty="0" err="1" smtClean="0">
-                <a:sym typeface="Wingdings" panose="05000000000000000000" pitchFamily="2" charset="2"/>
-              </a:rPr>
-              <a:t>abstractpropery</a:t>
-            </a:r>
-            <a:r>
-              <a:rPr lang="en-IN" dirty="0" smtClean="0">
-                <a:sym typeface="Wingdings" panose="05000000000000000000" pitchFamily="2" charset="2"/>
-              </a:rPr>
-              <a:t>.</a:t>
-            </a:r>
+            <a:endParaRPr lang="en-IN" dirty="0" smtClean="0">
+              <a:sym typeface="Wingdings" panose="05000000000000000000" pitchFamily="2" charset="2"/>
+            </a:endParaRPr>
           </a:p>
           <a:p>
             <a:pPr lvl="1">
@@ -9166,7 +9145,7 @@
             <a:fld id="{7C4F617C-02C9-A546-8BA1-44871C7A2EF5}" type="datetime3">
               <a:rPr lang="fr-FR" smtClean="0"/>
               <a:pPr/>
-              <a:t>13.11.18</a:t>
+              <a:t>14.11.18</a:t>
             </a:fld>
             <a:endParaRPr lang="en-GB" dirty="0"/>
           </a:p>
@@ -9696,7 +9675,7 @@
             <a:fld id="{7C4F617C-02C9-A546-8BA1-44871C7A2EF5}" type="datetime3">
               <a:rPr lang="fr-FR" smtClean="0"/>
               <a:pPr/>
-              <a:t>13.11.18</a:t>
+              <a:t>14.11.18</a:t>
             </a:fld>
             <a:endParaRPr lang="en-GB" dirty="0"/>
           </a:p>
@@ -9958,7 +9937,7 @@
             <a:fld id="{7C4F617C-02C9-A546-8BA1-44871C7A2EF5}" type="datetime3">
               <a:rPr lang="fr-FR" smtClean="0"/>
               <a:pPr/>
-              <a:t>13.11.18</a:t>
+              <a:t>14.11.18</a:t>
             </a:fld>
             <a:endParaRPr lang="en-GB" dirty="0"/>
           </a:p>
@@ -10665,7 +10644,7 @@
             <a:fld id="{7C4F617C-02C9-A546-8BA1-44871C7A2EF5}" type="datetime3">
               <a:rPr lang="fr-FR" smtClean="0"/>
               <a:pPr/>
-              <a:t>13.11.18</a:t>
+              <a:t>14.11.18</a:t>
             </a:fld>
             <a:endParaRPr lang="en-GB" dirty="0"/>
           </a:p>
@@ -10815,7 +10794,7 @@
             <a:fld id="{7C4F617C-02C9-A546-8BA1-44871C7A2EF5}" type="datetime3">
               <a:rPr lang="fr-FR" smtClean="0"/>
               <a:pPr/>
-              <a:t>13.11.18</a:t>
+              <a:t>14.11.18</a:t>
             </a:fld>
             <a:endParaRPr lang="en-GB" dirty="0"/>
           </a:p>
@@ -11606,7 +11585,7 @@
             <a:fld id="{7C4F617C-02C9-A546-8BA1-44871C7A2EF5}" type="datetime3">
               <a:rPr lang="fr-FR" smtClean="0"/>
               <a:pPr/>
-              <a:t>13.11.18</a:t>
+              <a:t>14.11.18</a:t>
             </a:fld>
             <a:endParaRPr lang="en-GB" dirty="0"/>
           </a:p>
@@ -11789,7 +11768,7 @@
             <a:fld id="{7C4F617C-02C9-A546-8BA1-44871C7A2EF5}" type="datetime3">
               <a:rPr lang="fr-FR" smtClean="0"/>
               <a:pPr/>
-              <a:t>13.11.18</a:t>
+              <a:t>14.11.18</a:t>
             </a:fld>
             <a:endParaRPr lang="en-GB" dirty="0"/>
           </a:p>
@@ -12144,7 +12123,7 @@
             <a:fld id="{7C4F617C-02C9-A546-8BA1-44871C7A2EF5}" type="datetime3">
               <a:rPr lang="fr-FR" smtClean="0"/>
               <a:pPr/>
-              <a:t>13.11.18</a:t>
+              <a:t>14.11.18</a:t>
             </a:fld>
             <a:endParaRPr lang="en-GB" dirty="0"/>
           </a:p>
@@ -12436,7 +12415,7 @@
             <a:fld id="{7C4F617C-02C9-A546-8BA1-44871C7A2EF5}" type="datetime3">
               <a:rPr lang="fr-FR" smtClean="0"/>
               <a:pPr/>
-              <a:t>13.11.18</a:t>
+              <a:t>14.11.18</a:t>
             </a:fld>
             <a:endParaRPr lang="en-GB" dirty="0"/>
           </a:p>
@@ -12599,16 +12578,12 @@
             </a:r>
             <a:r>
               <a:rPr lang="en-IN" dirty="0"/>
-              <a:t>Return the size of an object in bytes.</a:t>
-            </a:r>
-            <a:endParaRPr lang="en-IN" dirty="0" smtClean="0"/>
-          </a:p>
-          <a:p>
-            <a:r>
-              <a:rPr lang="en-IN" dirty="0" err="1" smtClean="0"/>
-              <a:t>Sys.maxint</a:t>
-            </a:r>
-            <a:endParaRPr lang="en-IN" dirty="0" smtClean="0"/>
+              <a:t>Return the size of an object in bytes</a:t>
+            </a:r>
+            <a:r>
+              <a:rPr lang="en-IN" dirty="0" smtClean="0"/>
+              <a:t>.</a:t>
+            </a:r>
           </a:p>
           <a:p>
             <a:r>
@@ -12685,7 +12660,7 @@
             <a:fld id="{7C4F617C-02C9-A546-8BA1-44871C7A2EF5}" type="datetime3">
               <a:rPr lang="fr-FR" smtClean="0"/>
               <a:pPr/>
-              <a:t>13.11.18</a:t>
+              <a:t>14.11.18</a:t>
             </a:fld>
             <a:endParaRPr lang="en-GB" dirty="0"/>
           </a:p>
@@ -12938,7 +12913,7 @@
             <a:fld id="{7C4F617C-02C9-A546-8BA1-44871C7A2EF5}" type="datetime3">
               <a:rPr lang="fr-FR" smtClean="0"/>
               <a:pPr/>
-              <a:t>13.11.18</a:t>
+              <a:t>14.11.18</a:t>
             </a:fld>
             <a:endParaRPr lang="en-GB" dirty="0"/>
           </a:p>
@@ -13319,7 +13294,7 @@
             <a:fld id="{7C4F617C-02C9-A546-8BA1-44871C7A2EF5}" type="datetime3">
               <a:rPr lang="fr-FR" smtClean="0"/>
               <a:pPr/>
-              <a:t>13.11.18</a:t>
+              <a:t>14.11.18</a:t>
             </a:fld>
             <a:endParaRPr lang="en-GB" dirty="0"/>
           </a:p>
@@ -13651,7 +13626,7 @@
             <a:fld id="{7C4F617C-02C9-A546-8BA1-44871C7A2EF5}" type="datetime3">
               <a:rPr lang="fr-FR" smtClean="0"/>
               <a:pPr/>
-              <a:t>13.11.18</a:t>
+              <a:t>14.11.18</a:t>
             </a:fld>
             <a:endParaRPr lang="en-GB" dirty="0"/>
           </a:p>
@@ -13843,16 +13818,6 @@
               </a:rPr>
               <a:t>In a method function, the first argument automatically receives an implied instance object when called – subject of the call</a:t>
             </a:r>
-            <a:endParaRPr lang="en-IN" dirty="0" smtClean="0"/>
-          </a:p>
-          <a:p>
-            <a:r>
-              <a:rPr lang="en-IN" dirty="0" smtClean="0"/>
-              <a:t>They can be modified after creation</a:t>
-            </a:r>
-            <a:endParaRPr lang="en-IN" dirty="0" smtClean="0">
-              <a:sym typeface="Wingdings" panose="05000000000000000000" pitchFamily="2" charset="2"/>
-            </a:endParaRPr>
           </a:p>
           <a:p>
             <a:pPr lvl="1">
@@ -13881,7 +13846,7 @@
             <a:fld id="{7C4F617C-02C9-A546-8BA1-44871C7A2EF5}" type="datetime3">
               <a:rPr lang="fr-FR" smtClean="0"/>
               <a:pPr/>
-              <a:t>13.11.18</a:t>
+              <a:t>14.11.18</a:t>
             </a:fld>
             <a:endParaRPr lang="en-GB" dirty="0"/>
           </a:p>
@@ -14110,7 +14075,7 @@
             <a:fld id="{7C4F617C-02C9-A546-8BA1-44871C7A2EF5}" type="datetime3">
               <a:rPr lang="fr-FR" smtClean="0"/>
               <a:pPr/>
-              <a:t>13.11.18</a:t>
+              <a:t>14.11.18</a:t>
             </a:fld>
             <a:endParaRPr lang="en-GB" dirty="0"/>
           </a:p>
@@ -14510,7 +14475,7 @@
             <a:fld id="{7C4F617C-02C9-A546-8BA1-44871C7A2EF5}" type="datetime3">
               <a:rPr lang="fr-FR" smtClean="0"/>
               <a:pPr/>
-              <a:t>13.11.18</a:t>
+              <a:t>14.11.18</a:t>
             </a:fld>
             <a:endParaRPr lang="en-GB" dirty="0"/>
           </a:p>
@@ -15003,7 +14968,7 @@
             <a:fld id="{7C4F617C-02C9-A546-8BA1-44871C7A2EF5}" type="datetime3">
               <a:rPr lang="fr-FR" smtClean="0"/>
               <a:pPr/>
-              <a:t>13.11.18</a:t>
+              <a:t>14.11.18</a:t>
             </a:fld>
             <a:endParaRPr lang="en-GB" dirty="0"/>
           </a:p>
